--- a/Labs/Lab04HighLow/wordFiles/Lab 4.pptx
+++ b/Labs/Lab04HighLow/wordFiles/Lab 4.pptx
@@ -318,7 +318,7 @@
               <a:pPr>
                 <a:defRPr/>
               </a:pPr>
-              <a:t>9/22/2023</a:t>
+              <a:t>11/17/2024</a:t>
             </a:fld>
             <a:endParaRPr lang="en-US"/>
           </a:p>
@@ -537,7 +537,7 @@
               <a:pPr>
                 <a:defRPr/>
               </a:pPr>
-              <a:t>9/22/2023</a:t>
+              <a:t>11/17/2024</a:t>
             </a:fld>
             <a:endParaRPr lang="en-US"/>
           </a:p>
@@ -2713,7 +2713,7 @@
               <a:pPr>
                 <a:defRPr/>
               </a:pPr>
-              <a:t>9/22/2023</a:t>
+              <a:t>11/17/2024</a:t>
             </a:fld>
             <a:endParaRPr lang="en-US"/>
           </a:p>
@@ -3215,7 +3215,7 @@
               <a:pPr>
                 <a:defRPr/>
               </a:pPr>
-              <a:t>9/22/2023</a:t>
+              <a:t>11/17/2024</a:t>
             </a:fld>
             <a:endParaRPr lang="en-US"/>
           </a:p>
@@ -3639,7 +3639,7 @@
               <a:pPr>
                 <a:defRPr/>
               </a:pPr>
-              <a:t>9/22/2023</a:t>
+              <a:t>11/17/2024</a:t>
             </a:fld>
             <a:endParaRPr lang="en-US"/>
           </a:p>
@@ -4038,7 +4038,7 @@
               <a:pPr>
                 <a:defRPr/>
               </a:pPr>
-              <a:t>9/22/2023</a:t>
+              <a:t>11/17/2024</a:t>
             </a:fld>
             <a:endParaRPr lang="en-US"/>
           </a:p>
@@ -4447,7 +4447,7 @@
               <a:pPr>
                 <a:defRPr/>
               </a:pPr>
-              <a:t>9/22/2023</a:t>
+              <a:t>11/17/2024</a:t>
             </a:fld>
             <a:endParaRPr lang="en-US"/>
           </a:p>
@@ -4925,7 +4925,7 @@
               <a:pPr>
                 <a:defRPr/>
               </a:pPr>
-              <a:t>9/22/2023</a:t>
+              <a:t>11/17/2024</a:t>
             </a:fld>
             <a:endParaRPr lang="en-US"/>
           </a:p>
@@ -5324,7 +5324,7 @@
               <a:pPr>
                 <a:defRPr/>
               </a:pPr>
-              <a:t>9/22/2023</a:t>
+              <a:t>11/17/2024</a:t>
             </a:fld>
             <a:endParaRPr lang="en-US"/>
           </a:p>
@@ -5784,7 +5784,7 @@
               <a:pPr>
                 <a:defRPr/>
               </a:pPr>
-              <a:t>9/22/2023</a:t>
+              <a:t>11/17/2024</a:t>
             </a:fld>
             <a:endParaRPr lang="en-US"/>
           </a:p>
@@ -6379,7 +6379,7 @@
               <a:pPr>
                 <a:defRPr/>
               </a:pPr>
-              <a:t>9/22/2023</a:t>
+              <a:t>11/17/2024</a:t>
             </a:fld>
             <a:endParaRPr lang="en-US"/>
           </a:p>
@@ -6727,7 +6727,7 @@
               <a:pPr>
                 <a:defRPr/>
               </a:pPr>
-              <a:t>9/22/2023</a:t>
+              <a:t>11/17/2024</a:t>
             </a:fld>
             <a:endParaRPr lang="en-US"/>
           </a:p>
@@ -7016,7 +7016,7 @@
               <a:pPr>
                 <a:defRPr/>
               </a:pPr>
-              <a:t>9/22/2023</a:t>
+              <a:t>11/17/2024</a:t>
             </a:fld>
             <a:endParaRPr lang="en-US"/>
           </a:p>
@@ -9791,62 +9791,32 @@
       </p:sp>
       <p:pic>
         <p:nvPicPr>
-          <p:cNvPr id="1026" name="Picture 2">
+          <p:cNvPr id="3" name="Picture 2">
             <a:extLst>
               <a:ext uri="{FF2B5EF4-FFF2-40B4-BE49-F238E27FC236}">
-                <a16:creationId xmlns:a16="http://schemas.microsoft.com/office/drawing/2014/main" id="{E95C2080-07B9-4B24-8772-2A4E06F7BA32}"/>
+                <a16:creationId xmlns:a16="http://schemas.microsoft.com/office/drawing/2014/main" id="{821D04C9-4D9A-2B6A-A01B-7EB27AEAC747}"/>
               </a:ext>
             </a:extLst>
           </p:cNvPr>
           <p:cNvPicPr>
-            <a:picLocks noChangeAspect="1" noChangeArrowheads="1"/>
+            <a:picLocks noChangeAspect="1"/>
           </p:cNvPicPr>
           <p:nvPr/>
         </p:nvPicPr>
         <p:blipFill>
-          <a:blip r:embed="rId3">
-            <a:extLst>
-              <a:ext uri="{28A0092B-C50C-407E-A947-70E740481C1C}">
-                <a14:useLocalDpi xmlns:a14="http://schemas.microsoft.com/office/drawing/2010/main" val="0"/>
-              </a:ext>
-            </a:extLst>
-          </a:blip>
-          <a:srcRect/>
+          <a:blip r:embed="rId3"/>
           <a:stretch>
             <a:fillRect/>
           </a:stretch>
         </p:blipFill>
-        <p:spPr bwMode="auto">
-          <a:xfrm>
-            <a:off x="6464286" y="742993"/>
-            <a:ext cx="5506804" cy="5358373"/>
+        <p:spPr>
+          <a:xfrm>
+            <a:off x="6491955" y="572493"/>
+            <a:ext cx="5602333" cy="5168349"/>
           </a:xfrm>
           <a:prstGeom prst="rect">
             <a:avLst/>
           </a:prstGeom>
-          <a:noFill/>
-          <a:ln>
-            <a:noFill/>
-          </a:ln>
-          <a:extLst>
-            <a:ext uri="{909E8E84-426E-40DD-AFC4-6F175D3DCCD1}">
-              <a14:hiddenFill xmlns:a14="http://schemas.microsoft.com/office/drawing/2010/main">
-                <a:solidFill>
-                  <a:srgbClr val="FFFFFF"/>
-                </a:solidFill>
-              </a14:hiddenFill>
-            </a:ext>
-            <a:ext uri="{91240B29-F687-4F45-9708-019B960494DF}">
-              <a14:hiddenLine xmlns:a14="http://schemas.microsoft.com/office/drawing/2010/main" w="9525">
-                <a:solidFill>
-                  <a:srgbClr val="000000"/>
-                </a:solidFill>
-                <a:miter lim="800000"/>
-                <a:headEnd/>
-                <a:tailEnd/>
-              </a14:hiddenLine>
-            </a:ext>
-          </a:extLst>
         </p:spPr>
       </p:pic>
     </p:spTree>
@@ -11163,62 +11133,32 @@
       </p:sp>
       <p:pic>
         <p:nvPicPr>
-          <p:cNvPr id="2051" name="Picture 3">
+          <p:cNvPr id="3" name="Picture 2">
             <a:extLst>
               <a:ext uri="{FF2B5EF4-FFF2-40B4-BE49-F238E27FC236}">
-                <a16:creationId xmlns:a16="http://schemas.microsoft.com/office/drawing/2014/main" id="{4743B2BE-1B5D-4F13-BF3B-4C3AF68E098C}"/>
+                <a16:creationId xmlns:a16="http://schemas.microsoft.com/office/drawing/2014/main" id="{0F2FEA48-AFD6-24C8-8E8D-9FE2B9F9B403}"/>
               </a:ext>
             </a:extLst>
           </p:cNvPr>
           <p:cNvPicPr>
-            <a:picLocks noChangeAspect="1" noChangeArrowheads="1"/>
+            <a:picLocks noChangeAspect="1"/>
           </p:cNvPicPr>
           <p:nvPr/>
         </p:nvPicPr>
         <p:blipFill>
-          <a:blip r:embed="rId3">
-            <a:extLst>
-              <a:ext uri="{28A0092B-C50C-407E-A947-70E740481C1C}">
-                <a14:useLocalDpi xmlns:a14="http://schemas.microsoft.com/office/drawing/2010/main" val="0"/>
-              </a:ext>
-            </a:extLst>
-          </a:blip>
-          <a:srcRect/>
+          <a:blip r:embed="rId3"/>
           <a:stretch>
             <a:fillRect/>
           </a:stretch>
         </p:blipFill>
-        <p:spPr bwMode="auto">
-          <a:xfrm>
-            <a:off x="6715956" y="365125"/>
-            <a:ext cx="5340731" cy="5196776"/>
+        <p:spPr>
+          <a:xfrm>
+            <a:off x="6719691" y="580444"/>
+            <a:ext cx="5391167" cy="4973541"/>
           </a:xfrm>
           <a:prstGeom prst="rect">
             <a:avLst/>
           </a:prstGeom>
-          <a:noFill/>
-          <a:ln>
-            <a:noFill/>
-          </a:ln>
-          <a:extLst>
-            <a:ext uri="{909E8E84-426E-40DD-AFC4-6F175D3DCCD1}">
-              <a14:hiddenFill xmlns:a14="http://schemas.microsoft.com/office/drawing/2010/main">
-                <a:solidFill>
-                  <a:srgbClr val="FFFFFF"/>
-                </a:solidFill>
-              </a14:hiddenFill>
-            </a:ext>
-            <a:ext uri="{91240B29-F687-4F45-9708-019B960494DF}">
-              <a14:hiddenLine xmlns:a14="http://schemas.microsoft.com/office/drawing/2010/main" w="9525">
-                <a:solidFill>
-                  <a:srgbClr val="000000"/>
-                </a:solidFill>
-                <a:miter lim="800000"/>
-                <a:headEnd/>
-                <a:tailEnd/>
-              </a14:hiddenLine>
-            </a:ext>
-          </a:extLst>
         </p:spPr>
       </p:pic>
     </p:spTree>
